--- a/semaine4/CO12AL-W4-VIDEO02-SLIDE01.pptx
+++ b/semaine4/CO12AL-W4-VIDEO02-SLIDE01.pptx
@@ -1046,15 +1046,22 @@
           <a:p>
             <a:r>
               <a:rPr lang="fr-FR" dirty="0" smtClean="0"/>
-              <a:t>À aucune moment on ne change la référence</a:t>
+              <a:t>L’importation</a:t>
             </a:r>
             <a:r>
               <a:rPr lang="fr-FR" baseline="0" dirty="0" smtClean="0"/>
-              <a:t> de la variable globale L, c’est-à-dire le lien entre L du module et l’objet, par contre, f() modifie directement l’objet qui </a:t>
+              <a:t> d’un module se fait ligne par ligne de manière séquentielle, mais sans exécuter le code des fonctions avant leur appel. </a:t>
+            </a:r>
+            <a:endParaRPr lang="fr-FR" baseline="0" dirty="0" smtClean="0"/>
+          </a:p>
+          <a:p>
+            <a:r>
+              <a:rPr lang="fr-FR" baseline="0" dirty="0" smtClean="0"/>
+              <a:t>Pour chercher les différentes variables on utilise la notion de scope qui </a:t>
             </a:r>
             <a:r>
               <a:rPr lang="fr-FR" baseline="0" smtClean="0"/>
-              <a:t>est mutable. </a:t>
+              <a:t>est textuelle. </a:t>
             </a:r>
             <a:endParaRPr lang="fr-FR" dirty="0"/>
           </a:p>
@@ -4465,14 +4472,7 @@
                 <a:latin typeface="Courier New" panose="02070309020205020404" pitchFamily="49" charset="0"/>
                 <a:cs typeface="Courier New" panose="02070309020205020404" pitchFamily="49" charset="0"/>
               </a:rPr>
-              <a:t> </a:t>
-            </a:r>
-            <a:r>
-              <a:rPr lang="fr-FR" dirty="0" smtClean="0">
-                <a:latin typeface="Courier New" panose="02070309020205020404" pitchFamily="49" charset="0"/>
-                <a:cs typeface="Courier New" panose="02070309020205020404" pitchFamily="49" charset="0"/>
-              </a:rPr>
-              <a:t>x</a:t>
+              <a:t> x</a:t>
             </a:r>
             <a:endParaRPr lang="fr-FR" dirty="0">
               <a:latin typeface="Courier New" panose="02070309020205020404" pitchFamily="49" charset="0"/>
@@ -4720,7 +4720,7 @@
         </p:nvSpPr>
         <p:spPr>
           <a:xfrm>
-            <a:off x="2519263" y="4225873"/>
+            <a:off x="497396" y="4619768"/>
             <a:ext cx="561562" cy="584775"/>
           </a:xfrm>
           <a:prstGeom prst="rect">
@@ -4756,7 +4756,7 @@
         </p:nvSpPr>
         <p:spPr>
           <a:xfrm>
-            <a:off x="2800044" y="4180887"/>
+            <a:off x="778177" y="4574782"/>
             <a:ext cx="6484738" cy="584775"/>
           </a:xfrm>
           <a:prstGeom prst="rect">

--- a/semaine4/CO12AL-W4-VIDEO02-SLIDE01.pptx
+++ b/semaine4/CO12AL-W4-VIDEO02-SLIDE01.pptx
@@ -14,7 +14,7 @@
     <p:sldId id="897" r:id="rId2"/>
     <p:sldId id="898" r:id="rId3"/>
   </p:sldIdLst>
-  <p:sldSz cx="9144000" cy="6858000" type="screen4x3"/>
+  <p:sldSz cx="12192000" cy="6858000"/>
   <p:notesSz cx="7099300" cy="10234613"/>
   <p:defaultTextStyle>
     <a:defPPr>
@@ -154,12 +154,12 @@
     </p:ext>
     <p:ext uri="{EFAFB233-063F-42B5-8137-9DF3F51BA10A}">
       <p15:sldGuideLst xmlns:p15="http://schemas.microsoft.com/office/powerpoint/2012/main">
-        <p15:guide id="1" orient="horz" pos="2160">
+        <p15:guide id="1" orient="horz" pos="2160" userDrawn="1">
           <p15:clr>
             <a:srgbClr val="A4A3A4"/>
           </p15:clr>
         </p15:guide>
-        <p15:guide id="2" pos="2880">
+        <p15:guide id="2" pos="3840" userDrawn="1">
           <p15:clr>
             <a:srgbClr val="A4A3A4"/>
           </p15:clr>
@@ -562,8 +562,8 @@
         </p:nvSpPr>
         <p:spPr bwMode="auto">
           <a:xfrm>
-            <a:off x="992188" y="768350"/>
-            <a:ext cx="5116512" cy="3836988"/>
+            <a:off x="141288" y="768350"/>
+            <a:ext cx="6818312" cy="3836988"/>
           </a:xfrm>
           <a:prstGeom prst="rect">
             <a:avLst/>
@@ -930,7 +930,12 @@
             <p:ph type="sldImg"/>
           </p:nvPr>
         </p:nvSpPr>
-        <p:spPr/>
+        <p:spPr>
+          <a:xfrm>
+            <a:off x="141288" y="768350"/>
+            <a:ext cx="6818312" cy="3836988"/>
+          </a:xfrm>
+        </p:spPr>
       </p:sp>
       <p:sp>
         <p:nvSpPr>
@@ -1027,7 +1032,12 @@
             <p:ph type="sldImg"/>
           </p:nvPr>
         </p:nvSpPr>
-        <p:spPr/>
+        <p:spPr>
+          <a:xfrm>
+            <a:off x="141288" y="768350"/>
+            <a:ext cx="6818312" cy="3836988"/>
+          </a:xfrm>
+        </p:spPr>
       </p:sp>
       <p:sp>
         <p:nvSpPr>
@@ -1052,7 +1062,6 @@
               <a:rPr lang="fr-FR" baseline="0" dirty="0" smtClean="0"/>
               <a:t> d’un module se fait ligne par ligne de manière séquentielle, mais sans exécuter le code des fonctions avant leur appel. </a:t>
             </a:r>
-            <a:endParaRPr lang="fr-FR" baseline="0" dirty="0" smtClean="0"/>
           </a:p>
           <a:p>
             <a:r>
@@ -1138,8 +1147,8 @@
         </p:nvSpPr>
         <p:spPr>
           <a:xfrm>
-            <a:off x="685800" y="1219200"/>
-            <a:ext cx="7772400" cy="1470025"/>
+            <a:off x="914400" y="1219201"/>
+            <a:ext cx="10363200" cy="1470025"/>
           </a:xfrm>
         </p:spPr>
         <p:txBody>
@@ -1169,8 +1178,8 @@
         </p:nvSpPr>
         <p:spPr>
           <a:xfrm>
-            <a:off x="1295400" y="3048000"/>
-            <a:ext cx="6400800" cy="1752600"/>
+            <a:off x="1727200" y="3048000"/>
+            <a:ext cx="8534400" cy="1752600"/>
           </a:xfrm>
         </p:spPr>
         <p:txBody>
@@ -1202,8 +1211,8 @@
         </p:nvSpPr>
         <p:spPr>
           <a:xfrm>
-            <a:off x="457200" y="6248400"/>
-            <a:ext cx="2895600" cy="476250"/>
+            <a:off x="609600" y="6248400"/>
+            <a:ext cx="3860800" cy="476250"/>
           </a:xfrm>
         </p:spPr>
         <p:txBody>
@@ -1237,8 +1246,8 @@
         </p:nvSpPr>
         <p:spPr>
           <a:xfrm>
-            <a:off x="6553200" y="6245225"/>
-            <a:ext cx="2133600" cy="476250"/>
+            <a:off x="8737600" y="6245225"/>
+            <a:ext cx="2844800" cy="476250"/>
           </a:xfrm>
         </p:spPr>
         <p:txBody>
@@ -1477,8 +1486,8 @@
         </p:nvSpPr>
         <p:spPr>
           <a:xfrm>
-            <a:off x="6629400" y="274638"/>
-            <a:ext cx="2057400" cy="5851525"/>
+            <a:off x="8839200" y="274639"/>
+            <a:ext cx="2743200" cy="5851525"/>
           </a:xfrm>
         </p:spPr>
         <p:txBody>
@@ -1505,8 +1514,8 @@
         </p:nvSpPr>
         <p:spPr>
           <a:xfrm>
-            <a:off x="457200" y="274638"/>
-            <a:ext cx="6019800" cy="5851525"/>
+            <a:off x="609600" y="274639"/>
+            <a:ext cx="8026400" cy="5851525"/>
           </a:xfrm>
         </p:spPr>
         <p:txBody>
@@ -1655,8 +1664,8 @@
         </p:nvSpPr>
         <p:spPr>
           <a:xfrm>
-            <a:off x="457200" y="274638"/>
-            <a:ext cx="8229600" cy="1143000"/>
+            <a:off x="609600" y="274638"/>
+            <a:ext cx="10972800" cy="1143000"/>
           </a:xfrm>
         </p:spPr>
         <p:txBody>
@@ -1683,8 +1692,8 @@
         </p:nvSpPr>
         <p:spPr>
           <a:xfrm>
-            <a:off x="457200" y="1600200"/>
-            <a:ext cx="4038600" cy="4525963"/>
+            <a:off x="609600" y="1600201"/>
+            <a:ext cx="5384800" cy="4525963"/>
           </a:xfrm>
         </p:spPr>
         <p:txBody>
@@ -1740,8 +1749,8 @@
         </p:nvSpPr>
         <p:spPr>
           <a:xfrm>
-            <a:off x="4648200" y="1600200"/>
-            <a:ext cx="4038600" cy="4525963"/>
+            <a:off x="6197600" y="1600201"/>
+            <a:ext cx="5384800" cy="4525963"/>
           </a:xfrm>
         </p:spPr>
         <p:txBody>
@@ -2065,8 +2074,8 @@
         </p:nvSpPr>
         <p:spPr>
           <a:xfrm>
-            <a:off x="722313" y="4406900"/>
-            <a:ext cx="7772400" cy="1362075"/>
+            <a:off x="963084" y="4406901"/>
+            <a:ext cx="10363200" cy="1362075"/>
           </a:xfrm>
         </p:spPr>
         <p:txBody>
@@ -2097,8 +2106,8 @@
         </p:nvSpPr>
         <p:spPr>
           <a:xfrm>
-            <a:off x="722313" y="2906713"/>
-            <a:ext cx="7772400" cy="1500187"/>
+            <a:off x="963084" y="2906713"/>
+            <a:ext cx="10363200" cy="1500187"/>
           </a:xfrm>
         </p:spPr>
         <p:txBody>
@@ -2285,8 +2294,8 @@
         </p:nvSpPr>
         <p:spPr>
           <a:xfrm>
-            <a:off x="457200" y="1600200"/>
-            <a:ext cx="4038600" cy="4525963"/>
+            <a:off x="609600" y="1600201"/>
+            <a:ext cx="5384800" cy="4525963"/>
           </a:xfrm>
         </p:spPr>
         <p:txBody>
@@ -2370,8 +2379,8 @@
         </p:nvSpPr>
         <p:spPr>
           <a:xfrm>
-            <a:off x="4648200" y="1600200"/>
-            <a:ext cx="4038600" cy="4525963"/>
+            <a:off x="6197600" y="1600201"/>
+            <a:ext cx="5384800" cy="4525963"/>
           </a:xfrm>
         </p:spPr>
         <p:txBody>
@@ -2582,8 +2591,8 @@
         </p:nvSpPr>
         <p:spPr>
           <a:xfrm>
-            <a:off x="457200" y="1535113"/>
-            <a:ext cx="4040188" cy="639762"/>
+            <a:off x="609600" y="1535113"/>
+            <a:ext cx="5386917" cy="639762"/>
           </a:xfrm>
         </p:spPr>
         <p:txBody>
@@ -2647,8 +2656,8 @@
         </p:nvSpPr>
         <p:spPr>
           <a:xfrm>
-            <a:off x="457200" y="2174875"/>
-            <a:ext cx="4040188" cy="3951288"/>
+            <a:off x="609600" y="2174875"/>
+            <a:ext cx="5386917" cy="3951288"/>
           </a:xfrm>
         </p:spPr>
         <p:txBody>
@@ -2732,8 +2741,8 @@
         </p:nvSpPr>
         <p:spPr>
           <a:xfrm>
-            <a:off x="4645025" y="1535113"/>
-            <a:ext cx="4041775" cy="639762"/>
+            <a:off x="6193368" y="1535113"/>
+            <a:ext cx="5389033" cy="639762"/>
           </a:xfrm>
         </p:spPr>
         <p:txBody>
@@ -2797,8 +2806,8 @@
         </p:nvSpPr>
         <p:spPr>
           <a:xfrm>
-            <a:off x="4645025" y="2174875"/>
-            <a:ext cx="4041775" cy="3951288"/>
+            <a:off x="6193368" y="2174875"/>
+            <a:ext cx="5389033" cy="3951288"/>
           </a:xfrm>
         </p:spPr>
         <p:txBody>
@@ -3205,8 +3214,8 @@
         </p:nvSpPr>
         <p:spPr>
           <a:xfrm>
-            <a:off x="457200" y="273050"/>
-            <a:ext cx="3008313" cy="1162050"/>
+            <a:off x="609601" y="273050"/>
+            <a:ext cx="4011084" cy="1162050"/>
           </a:xfrm>
         </p:spPr>
         <p:txBody>
@@ -3237,8 +3246,8 @@
         </p:nvSpPr>
         <p:spPr>
           <a:xfrm>
-            <a:off x="3575050" y="273050"/>
-            <a:ext cx="5111750" cy="5853113"/>
+            <a:off x="4766733" y="273051"/>
+            <a:ext cx="6815667" cy="5853113"/>
           </a:xfrm>
         </p:spPr>
         <p:txBody>
@@ -3322,8 +3331,8 @@
         </p:nvSpPr>
         <p:spPr>
           <a:xfrm>
-            <a:off x="457200" y="1435100"/>
-            <a:ext cx="3008313" cy="4691063"/>
+            <a:off x="609601" y="1435101"/>
+            <a:ext cx="4011084" cy="4691063"/>
           </a:xfrm>
         </p:spPr>
         <p:txBody>
@@ -3480,8 +3489,8 @@
         </p:nvSpPr>
         <p:spPr>
           <a:xfrm>
-            <a:off x="1792288" y="4800600"/>
-            <a:ext cx="5486400" cy="566738"/>
+            <a:off x="2389717" y="4800600"/>
+            <a:ext cx="7315200" cy="566738"/>
           </a:xfrm>
         </p:spPr>
         <p:txBody>
@@ -3512,8 +3521,8 @@
         </p:nvSpPr>
         <p:spPr>
           <a:xfrm>
-            <a:off x="1792288" y="612775"/>
-            <a:ext cx="5486400" cy="4114800"/>
+            <a:off x="2389717" y="612775"/>
+            <a:ext cx="7315200" cy="4114800"/>
           </a:xfrm>
         </p:spPr>
         <p:txBody>
@@ -3574,8 +3583,8 @@
         </p:nvSpPr>
         <p:spPr>
           <a:xfrm>
-            <a:off x="1792288" y="5367338"/>
-            <a:ext cx="5486400" cy="804862"/>
+            <a:off x="2389717" y="5367338"/>
+            <a:ext cx="7315200" cy="804862"/>
           </a:xfrm>
         </p:spPr>
         <p:txBody>
@@ -3740,8 +3749,8 @@
         </p:nvSpPr>
         <p:spPr bwMode="auto">
           <a:xfrm>
-            <a:off x="457200" y="274638"/>
-            <a:ext cx="8229600" cy="1143000"/>
+            <a:off x="609600" y="274638"/>
+            <a:ext cx="10972800" cy="1143000"/>
           </a:xfrm>
           <a:prstGeom prst="rect">
             <a:avLst/>
@@ -3798,8 +3807,8 @@
         </p:nvSpPr>
         <p:spPr bwMode="auto">
           <a:xfrm>
-            <a:off x="457200" y="1600200"/>
-            <a:ext cx="8229600" cy="4525963"/>
+            <a:off x="609600" y="1600201"/>
+            <a:ext cx="10972800" cy="4525963"/>
           </a:xfrm>
           <a:prstGeom prst="rect">
             <a:avLst/>
@@ -3884,8 +3893,8 @@
         </p:nvSpPr>
         <p:spPr bwMode="auto">
           <a:xfrm>
-            <a:off x="0" y="6521450"/>
-            <a:ext cx="3967163" cy="336550"/>
+            <a:off x="1" y="6521450"/>
+            <a:ext cx="5289551" cy="336550"/>
           </a:xfrm>
           <a:prstGeom prst="rect">
             <a:avLst/>
@@ -3939,8 +3948,8 @@
         </p:nvSpPr>
         <p:spPr bwMode="auto">
           <a:xfrm>
-            <a:off x="7772400" y="6248400"/>
-            <a:ext cx="914400" cy="476250"/>
+            <a:off x="10363200" y="6248400"/>
+            <a:ext cx="1219200" cy="476250"/>
           </a:xfrm>
           <a:prstGeom prst="rect">
             <a:avLst/>
@@ -4414,7 +4423,7 @@
         </p:nvSpPr>
         <p:spPr>
           <a:xfrm>
-            <a:off x="1240770" y="-8940"/>
+            <a:off x="2764770" y="-8940"/>
             <a:ext cx="2779776" cy="1200329"/>
           </a:xfrm>
           <a:prstGeom prst="rect">
@@ -4429,7 +4438,7 @@
           <a:lstStyle/>
           <a:p>
             <a:r>
-              <a:rPr lang="fr-FR" dirty="0" smtClean="0">
+              <a:rPr lang="fr-FR" dirty="0">
                 <a:latin typeface="Courier New" panose="02070309020205020404" pitchFamily="49" charset="0"/>
                 <a:cs typeface="Courier New" panose="02070309020205020404" pitchFamily="49" charset="0"/>
               </a:rPr>
@@ -4438,14 +4447,14 @@
           </a:p>
           <a:p>
             <a:r>
-              <a:rPr lang="fr-FR" dirty="0" err="1" smtClean="0">
+              <a:rPr lang="fr-FR" dirty="0" err="1">
                 <a:latin typeface="Courier New" panose="02070309020205020404" pitchFamily="49" charset="0"/>
                 <a:cs typeface="Courier New" panose="02070309020205020404" pitchFamily="49" charset="0"/>
               </a:rPr>
               <a:t>def</a:t>
             </a:r>
             <a:r>
-              <a:rPr lang="fr-FR" dirty="0" smtClean="0">
+              <a:rPr lang="fr-FR" dirty="0">
                 <a:latin typeface="Courier New" panose="02070309020205020404" pitchFamily="49" charset="0"/>
                 <a:cs typeface="Courier New" panose="02070309020205020404" pitchFamily="49" charset="0"/>
               </a:rPr>
@@ -4461,14 +4470,14 @@
               <a:t>	</a:t>
             </a:r>
             <a:r>
-              <a:rPr lang="fr-FR" dirty="0" err="1" smtClean="0">
+              <a:rPr lang="fr-FR" dirty="0" err="1">
                 <a:latin typeface="Courier New" panose="02070309020205020404" pitchFamily="49" charset="0"/>
                 <a:cs typeface="Courier New" panose="02070309020205020404" pitchFamily="49" charset="0"/>
               </a:rPr>
               <a:t>print</a:t>
             </a:r>
             <a:r>
-              <a:rPr lang="fr-FR" dirty="0" smtClean="0">
+              <a:rPr lang="fr-FR" dirty="0">
                 <a:latin typeface="Courier New" panose="02070309020205020404" pitchFamily="49" charset="0"/>
                 <a:cs typeface="Courier New" panose="02070309020205020404" pitchFamily="49" charset="0"/>
               </a:rPr>
@@ -4489,7 +4498,7 @@
         </p:nvSpPr>
         <p:spPr>
           <a:xfrm>
-            <a:off x="6444266" y="-12233"/>
+            <a:off x="7968266" y="-12233"/>
             <a:ext cx="2779776" cy="2677656"/>
           </a:xfrm>
           <a:prstGeom prst="rect">
@@ -4504,7 +4513,7 @@
           <a:lstStyle/>
           <a:p>
             <a:r>
-              <a:rPr lang="fr-FR" dirty="0" smtClean="0">
+              <a:rPr lang="fr-FR" dirty="0">
                 <a:latin typeface="Courier New" panose="02070309020205020404" pitchFamily="49" charset="0"/>
                 <a:cs typeface="Courier New" panose="02070309020205020404" pitchFamily="49" charset="0"/>
               </a:rPr>
@@ -4520,7 +4529,7 @@
               <a:t>x</a:t>
             </a:r>
             <a:r>
-              <a:rPr lang="fr-FR" dirty="0" smtClean="0">
+              <a:rPr lang="fr-FR" dirty="0">
                 <a:latin typeface="Courier New" panose="02070309020205020404" pitchFamily="49" charset="0"/>
                 <a:cs typeface="Courier New" panose="02070309020205020404" pitchFamily="49" charset="0"/>
               </a:rPr>
@@ -4529,14 +4538,14 @@
           </a:p>
           <a:p>
             <a:r>
-              <a:rPr lang="fr-FR" dirty="0" err="1" smtClean="0">
+              <a:rPr lang="fr-FR" dirty="0" err="1">
                 <a:latin typeface="Courier New" panose="02070309020205020404" pitchFamily="49" charset="0"/>
                 <a:cs typeface="Courier New" panose="02070309020205020404" pitchFamily="49" charset="0"/>
               </a:rPr>
               <a:t>def</a:t>
             </a:r>
             <a:r>
-              <a:rPr lang="fr-FR" dirty="0" smtClean="0">
+              <a:rPr lang="fr-FR" dirty="0">
                 <a:latin typeface="Courier New" panose="02070309020205020404" pitchFamily="49" charset="0"/>
                 <a:cs typeface="Courier New" panose="02070309020205020404" pitchFamily="49" charset="0"/>
               </a:rPr>
@@ -4552,14 +4561,14 @@
               <a:t>	</a:t>
             </a:r>
             <a:r>
-              <a:rPr lang="fr-FR" dirty="0" err="1" smtClean="0">
+              <a:rPr lang="fr-FR" dirty="0" err="1">
                 <a:latin typeface="Courier New" panose="02070309020205020404" pitchFamily="49" charset="0"/>
                 <a:cs typeface="Courier New" panose="02070309020205020404" pitchFamily="49" charset="0"/>
               </a:rPr>
               <a:t>print</a:t>
             </a:r>
             <a:r>
-              <a:rPr lang="fr-FR" dirty="0" smtClean="0">
+              <a:rPr lang="fr-FR" dirty="0">
                 <a:latin typeface="Courier New" panose="02070309020205020404" pitchFamily="49" charset="0"/>
                 <a:cs typeface="Courier New" panose="02070309020205020404" pitchFamily="49" charset="0"/>
               </a:rPr>
@@ -4572,7 +4581,7 @@
           </a:p>
           <a:p>
             <a:r>
-              <a:rPr lang="fr-FR" dirty="0" smtClean="0">
+              <a:rPr lang="fr-FR" dirty="0">
                 <a:latin typeface="Courier New" panose="02070309020205020404" pitchFamily="49" charset="0"/>
                 <a:cs typeface="Courier New" panose="02070309020205020404" pitchFamily="49" charset="0"/>
               </a:rPr>
@@ -4588,14 +4597,14 @@
               <a:t>s</a:t>
             </a:r>
             <a:r>
-              <a:rPr lang="fr-FR" dirty="0" err="1" smtClean="0">
+              <a:rPr lang="fr-FR" dirty="0" err="1">
                 <a:latin typeface="Courier New" panose="02070309020205020404" pitchFamily="49" charset="0"/>
                 <a:cs typeface="Courier New" panose="02070309020205020404" pitchFamily="49" charset="0"/>
               </a:rPr>
               <a:t>pam.f</a:t>
             </a:r>
             <a:r>
-              <a:rPr lang="fr-FR" dirty="0" smtClean="0">
+              <a:rPr lang="fr-FR" dirty="0">
                 <a:latin typeface="Courier New" panose="02070309020205020404" pitchFamily="49" charset="0"/>
                 <a:cs typeface="Courier New" panose="02070309020205020404" pitchFamily="49" charset="0"/>
               </a:rPr>
@@ -4611,21 +4620,21 @@
               <a:t>p</a:t>
             </a:r>
             <a:r>
-              <a:rPr lang="fr-FR" dirty="0" err="1" smtClean="0">
+              <a:rPr lang="fr-FR" dirty="0" err="1">
                 <a:latin typeface="Courier New" panose="02070309020205020404" pitchFamily="49" charset="0"/>
                 <a:cs typeface="Courier New" panose="02070309020205020404" pitchFamily="49" charset="0"/>
               </a:rPr>
               <a:t>rint</a:t>
             </a:r>
             <a:r>
-              <a:rPr lang="fr-FR" dirty="0" smtClean="0">
+              <a:rPr lang="fr-FR" dirty="0">
                 <a:latin typeface="Courier New" panose="02070309020205020404" pitchFamily="49" charset="0"/>
                 <a:cs typeface="Courier New" panose="02070309020205020404" pitchFamily="49" charset="0"/>
               </a:rPr>
               <a:t> </a:t>
             </a:r>
             <a:r>
-              <a:rPr lang="fr-FR" dirty="0" err="1" smtClean="0">
+              <a:rPr lang="fr-FR" dirty="0" err="1">
                 <a:latin typeface="Courier New" panose="02070309020205020404" pitchFamily="49" charset="0"/>
                 <a:cs typeface="Courier New" panose="02070309020205020404" pitchFamily="49" charset="0"/>
               </a:rPr>
@@ -4646,7 +4655,7 @@
         </p:nvSpPr>
         <p:spPr>
           <a:xfrm>
-            <a:off x="0" y="-14068"/>
+            <a:off x="1203960" y="-14068"/>
             <a:ext cx="1286292" cy="461665"/>
           </a:xfrm>
           <a:prstGeom prst="rect">
@@ -4667,7 +4676,7 @@
               <a:t>s</a:t>
             </a:r>
             <a:r>
-              <a:rPr lang="fr-FR" dirty="0" smtClean="0">
+              <a:rPr lang="fr-FR" dirty="0">
                 <a:latin typeface="Calibri" panose="020F0502020204030204" pitchFamily="34" charset="0"/>
               </a:rPr>
               <a:t>pam.py</a:t>
@@ -4686,7 +4695,7 @@
         </p:nvSpPr>
         <p:spPr>
           <a:xfrm>
-            <a:off x="5118486" y="-14069"/>
+            <a:off x="6551046" y="-14069"/>
             <a:ext cx="1286292" cy="461665"/>
           </a:xfrm>
           <a:prstGeom prst="rect">
@@ -4701,7 +4710,7 @@
           <a:lstStyle/>
           <a:p>
             <a:r>
-              <a:rPr lang="fr-FR" dirty="0" smtClean="0">
+              <a:rPr lang="fr-FR" dirty="0">
                 <a:latin typeface="Calibri" panose="020F0502020204030204" pitchFamily="34" charset="0"/>
               </a:rPr>
               <a:t>egg.py</a:t>
@@ -4720,7 +4729,7 @@
         </p:nvSpPr>
         <p:spPr>
           <a:xfrm>
-            <a:off x="497396" y="4619768"/>
+            <a:off x="2021396" y="4619769"/>
             <a:ext cx="561562" cy="584775"/>
           </a:xfrm>
           <a:prstGeom prst="rect">
@@ -4735,7 +4744,7 @@
           <a:lstStyle/>
           <a:p>
             <a:r>
-              <a:rPr lang="fr-FR" sz="3200" dirty="0" smtClean="0">
+              <a:rPr lang="fr-FR" sz="3200" dirty="0">
                 <a:latin typeface="Courier New" panose="02070309020205020404" pitchFamily="49" charset="0"/>
                 <a:cs typeface="Courier New" panose="02070309020205020404" pitchFamily="49" charset="0"/>
               </a:rPr>
@@ -4756,7 +4765,7 @@
         </p:nvSpPr>
         <p:spPr>
           <a:xfrm>
-            <a:off x="778177" y="4574782"/>
+            <a:off x="2302177" y="4574783"/>
             <a:ext cx="6484738" cy="584775"/>
           </a:xfrm>
           <a:prstGeom prst="rect">
@@ -4771,7 +4780,7 @@
           <a:lstStyle/>
           <a:p>
             <a:r>
-              <a:rPr lang="fr-FR" sz="3200" dirty="0" smtClean="0">
+              <a:rPr lang="fr-FR" sz="3200" dirty="0">
                 <a:latin typeface="Courier New" panose="02070309020205020404" pitchFamily="49" charset="0"/>
                 <a:cs typeface="Courier New" panose="02070309020205020404" pitchFamily="49" charset="0"/>
               </a:rPr>
@@ -5562,7 +5571,7 @@
         </p:nvSpPr>
         <p:spPr>
           <a:xfrm>
-            <a:off x="1240770" y="-8940"/>
+            <a:off x="2764770" y="-8940"/>
             <a:ext cx="2779776" cy="1200329"/>
           </a:xfrm>
           <a:prstGeom prst="rect">
@@ -5577,7 +5586,7 @@
           <a:lstStyle/>
           <a:p>
             <a:r>
-              <a:rPr lang="fr-FR" dirty="0" smtClean="0">
+              <a:rPr lang="fr-FR" dirty="0">
                 <a:latin typeface="Courier New" panose="02070309020205020404" pitchFamily="49" charset="0"/>
                 <a:cs typeface="Courier New" panose="02070309020205020404" pitchFamily="49" charset="0"/>
               </a:rPr>
@@ -5586,14 +5595,14 @@
           </a:p>
           <a:p>
             <a:r>
-              <a:rPr lang="fr-FR" dirty="0" err="1" smtClean="0">
+              <a:rPr lang="fr-FR" dirty="0" err="1">
                 <a:latin typeface="Courier New" panose="02070309020205020404" pitchFamily="49" charset="0"/>
                 <a:cs typeface="Courier New" panose="02070309020205020404" pitchFamily="49" charset="0"/>
               </a:rPr>
               <a:t>def</a:t>
             </a:r>
             <a:r>
-              <a:rPr lang="fr-FR" dirty="0" smtClean="0">
+              <a:rPr lang="fr-FR" dirty="0">
                 <a:latin typeface="Courier New" panose="02070309020205020404" pitchFamily="49" charset="0"/>
                 <a:cs typeface="Courier New" panose="02070309020205020404" pitchFamily="49" charset="0"/>
               </a:rPr>
@@ -5609,14 +5618,14 @@
               <a:t>	</a:t>
             </a:r>
             <a:r>
-              <a:rPr lang="fr-FR" dirty="0" err="1" smtClean="0">
+              <a:rPr lang="fr-FR" dirty="0" err="1">
                 <a:latin typeface="Courier New" panose="02070309020205020404" pitchFamily="49" charset="0"/>
                 <a:cs typeface="Courier New" panose="02070309020205020404" pitchFamily="49" charset="0"/>
               </a:rPr>
               <a:t>print</a:t>
             </a:r>
             <a:r>
-              <a:rPr lang="fr-FR" dirty="0" smtClean="0">
+              <a:rPr lang="fr-FR" dirty="0">
                 <a:latin typeface="Courier New" panose="02070309020205020404" pitchFamily="49" charset="0"/>
                 <a:cs typeface="Courier New" panose="02070309020205020404" pitchFamily="49" charset="0"/>
               </a:rPr>
@@ -5637,10 +5646,10 @@
         </p:nvGrpSpPr>
         <p:grpSpPr>
           <a:xfrm>
-            <a:off x="4958863" y="2318942"/>
-            <a:ext cx="4024261" cy="4407759"/>
+            <a:off x="6551046" y="2318943"/>
+            <a:ext cx="4024261" cy="4355865"/>
             <a:chOff x="4958863" y="2318942"/>
-            <a:chExt cx="4024261" cy="4407759"/>
+            <a:chExt cx="4024261" cy="4355865"/>
           </a:xfrm>
         </p:grpSpPr>
         <p:sp>
@@ -5651,8 +5660,8 @@
           </p:nvSpPr>
           <p:spPr bwMode="auto">
             <a:xfrm>
-              <a:off x="4958863" y="3118332"/>
-              <a:ext cx="3481752" cy="3608369"/>
+              <a:off x="4958863" y="3102590"/>
+              <a:ext cx="3545056" cy="3572217"/>
             </a:xfrm>
             <a:prstGeom prst="rect">
               <a:avLst/>
@@ -5678,32 +5687,12 @@
             </a:bodyPr>
             <a:lstStyle/>
             <a:p>
-              <a:pPr marL="0" marR="0" indent="0" algn="ctr" defTabSz="914400" rtl="0" eaLnBrk="1" fontAlgn="base" latinLnBrk="0" hangingPunct="1">
-                <a:lnSpc>
-                  <a:spcPct val="100000"/>
-                </a:lnSpc>
+              <a:pPr algn="ctr">
                 <a:spcBef>
                   <a:spcPct val="50000"/>
                 </a:spcBef>
-                <a:spcAft>
-                  <a:spcPct val="0"/>
-                </a:spcAft>
-                <a:buClrTx/>
-                <a:buSzTx/>
-                <a:buFontTx/>
-                <a:buNone/>
-                <a:tabLst/>
               </a:pPr>
-              <a:endParaRPr kumimoji="0" lang="fr-FR" sz="2400" b="0" i="0" u="none" strike="noStrike" cap="none" normalizeH="0" baseline="0" smtClean="0">
-                <a:ln>
-                  <a:noFill/>
-                </a:ln>
-                <a:solidFill>
-                  <a:schemeClr val="tx1"/>
-                </a:solidFill>
-                <a:effectLst/>
-                <a:latin typeface="Comic Sans MS" pitchFamily="66" charset="0"/>
-              </a:endParaRPr>
+              <a:endParaRPr lang="fr-FR"/>
             </a:p>
           </p:txBody>
         </p:sp>
@@ -5730,7 +5719,7 @@
             <a:lstStyle/>
             <a:p>
               <a:r>
-                <a:rPr lang="fr-FR" sz="5400" dirty="0" smtClean="0">
+                <a:rPr lang="fr-FR" sz="5400" dirty="0">
                   <a:latin typeface="Calibri" panose="020F0502020204030204" pitchFamily="34" charset="0"/>
                 </a:rPr>
                 <a:t>objets</a:t>
@@ -5750,10 +5739,10 @@
         </p:nvGrpSpPr>
         <p:grpSpPr>
           <a:xfrm>
-            <a:off x="846288" y="2318942"/>
-            <a:ext cx="3856892" cy="4407761"/>
-            <a:chOff x="846288" y="2318942"/>
-            <a:chExt cx="3856892" cy="4407761"/>
+            <a:off x="1762147" y="2318943"/>
+            <a:ext cx="3827311" cy="4355866"/>
+            <a:chOff x="875869" y="2318942"/>
+            <a:chExt cx="3827311" cy="4355866"/>
           </a:xfrm>
         </p:grpSpPr>
         <p:sp>
@@ -5779,7 +5768,7 @@
             <a:lstStyle/>
             <a:p>
               <a:r>
-                <a:rPr lang="fr-FR" sz="5400" dirty="0" smtClean="0">
+                <a:rPr lang="fr-FR" sz="5400" dirty="0">
                   <a:latin typeface="Calibri" panose="020F0502020204030204" pitchFamily="34" charset="0"/>
                 </a:rPr>
                 <a:t>variables</a:t>
@@ -5798,8 +5787,8 @@
           </p:nvSpPr>
           <p:spPr bwMode="auto">
             <a:xfrm>
-              <a:off x="846288" y="3118333"/>
-              <a:ext cx="3657548" cy="3608370"/>
+              <a:off x="875869" y="3118332"/>
+              <a:ext cx="3581654" cy="3556476"/>
             </a:xfrm>
             <a:prstGeom prst="rect">
               <a:avLst/>
@@ -5825,32 +5814,12 @@
             </a:bodyPr>
             <a:lstStyle/>
             <a:p>
-              <a:pPr marL="0" marR="0" indent="0" algn="ctr" defTabSz="914400" rtl="0" eaLnBrk="1" fontAlgn="base" latinLnBrk="0" hangingPunct="1">
-                <a:lnSpc>
-                  <a:spcPct val="100000"/>
-                </a:lnSpc>
+              <a:pPr algn="ctr">
                 <a:spcBef>
                   <a:spcPct val="50000"/>
                 </a:spcBef>
-                <a:spcAft>
-                  <a:spcPct val="0"/>
-                </a:spcAft>
-                <a:buClrTx/>
-                <a:buSzTx/>
-                <a:buFontTx/>
-                <a:buNone/>
-                <a:tabLst/>
               </a:pPr>
-              <a:endParaRPr kumimoji="0" lang="fr-FR" sz="2400" b="0" i="0" u="none" strike="noStrike" cap="none" normalizeH="0" baseline="0" smtClean="0">
-                <a:ln>
-                  <a:noFill/>
-                </a:ln>
-                <a:solidFill>
-                  <a:schemeClr val="tx1"/>
-                </a:solidFill>
-                <a:effectLst/>
-                <a:latin typeface="Comic Sans MS" pitchFamily="66" charset="0"/>
-              </a:endParaRPr>
+              <a:endParaRPr lang="fr-FR"/>
             </a:p>
           </p:txBody>
         </p:sp>
@@ -5858,13 +5827,16 @@
       <p:cxnSp>
         <p:nvCxnSpPr>
           <p:cNvPr id="15" name="Connecteur droit 14"/>
-          <p:cNvCxnSpPr/>
+          <p:cNvCxnSpPr>
+            <a:stCxn id="5" idx="1"/>
+            <a:endCxn id="5" idx="3"/>
+          </p:cNvCxnSpPr>
           <p:nvPr/>
         </p:nvCxnSpPr>
         <p:spPr bwMode="auto">
           <a:xfrm>
-            <a:off x="846288" y="4840652"/>
-            <a:ext cx="3657548" cy="0"/>
+            <a:off x="1762147" y="4896571"/>
+            <a:ext cx="3581654" cy="0"/>
           </a:xfrm>
           <a:prstGeom prst="line">
             <a:avLst/>
@@ -5890,7 +5862,7 @@
         </p:nvSpPr>
         <p:spPr>
           <a:xfrm>
-            <a:off x="846288" y="3118332"/>
+            <a:off x="1732567" y="3118333"/>
             <a:ext cx="1932709" cy="584775"/>
           </a:xfrm>
           <a:prstGeom prst="rect">
@@ -5905,7 +5877,7 @@
           <a:lstStyle/>
           <a:p>
             <a:r>
-              <a:rPr lang="fr-FR" sz="3200" dirty="0" smtClean="0">
+              <a:rPr lang="fr-FR" sz="3200" dirty="0">
                 <a:solidFill>
                   <a:srgbClr val="FF0000"/>
                 </a:solidFill>
@@ -5930,7 +5902,7 @@
         </p:nvSpPr>
         <p:spPr>
           <a:xfrm>
-            <a:off x="875868" y="4885684"/>
+            <a:off x="1762147" y="4885685"/>
             <a:ext cx="1932709" cy="584775"/>
           </a:xfrm>
           <a:prstGeom prst="rect">
@@ -5945,7 +5917,7 @@
           <a:lstStyle/>
           <a:p>
             <a:r>
-              <a:rPr lang="fr-FR" sz="3200" dirty="0" err="1" smtClean="0">
+              <a:rPr lang="fr-FR" sz="3200" dirty="0" err="1">
                 <a:solidFill>
                   <a:srgbClr val="FF0000"/>
                 </a:solidFill>
@@ -5970,7 +5942,7 @@
         </p:nvSpPr>
         <p:spPr>
           <a:xfrm>
-            <a:off x="2270714" y="3318869"/>
+            <a:off x="3156992" y="3318870"/>
             <a:ext cx="536730" cy="584775"/>
           </a:xfrm>
           <a:prstGeom prst="rect">
@@ -5990,7 +5962,7 @@
               </a:rPr>
               <a:t>x</a:t>
             </a:r>
-            <a:endParaRPr lang="fr-FR" sz="3200" dirty="0" smtClean="0">
+            <a:endParaRPr lang="fr-FR" sz="3200" dirty="0">
               <a:latin typeface="Calibri" panose="020F0502020204030204" pitchFamily="34" charset="0"/>
             </a:endParaRPr>
           </a:p>
@@ -6004,7 +5976,7 @@
         </p:nvSpPr>
         <p:spPr>
           <a:xfrm>
-            <a:off x="5230592" y="3300581"/>
+            <a:off x="6822774" y="3300582"/>
             <a:ext cx="596264" cy="584775"/>
           </a:xfrm>
           <a:prstGeom prst="rect">
@@ -6041,7 +6013,7 @@
         </p:nvSpPr>
         <p:spPr>
           <a:xfrm>
-            <a:off x="5208402" y="5900797"/>
+            <a:off x="6800584" y="5900798"/>
             <a:ext cx="596264" cy="584775"/>
           </a:xfrm>
           <a:prstGeom prst="rect">
@@ -6062,7 +6034,7 @@
           <a:p>
             <a:pPr algn="ctr"/>
             <a:r>
-              <a:rPr lang="fr-FR" sz="3200" dirty="0" smtClean="0">
+              <a:rPr lang="fr-FR" sz="3200" dirty="0">
                 <a:latin typeface="Calibri" panose="020F0502020204030204" pitchFamily="34" charset="0"/>
               </a:rPr>
               <a:t>2</a:t>
@@ -6081,7 +6053,7 @@
         </p:nvSpPr>
         <p:spPr>
           <a:xfrm>
-            <a:off x="6444266" y="-12233"/>
+            <a:off x="7968266" y="-12233"/>
             <a:ext cx="2779776" cy="2677656"/>
           </a:xfrm>
           <a:prstGeom prst="rect">
@@ -6096,7 +6068,7 @@
           <a:lstStyle/>
           <a:p>
             <a:r>
-              <a:rPr lang="fr-FR" dirty="0" smtClean="0">
+              <a:rPr lang="fr-FR" dirty="0">
                 <a:latin typeface="Courier New" panose="02070309020205020404" pitchFamily="49" charset="0"/>
                 <a:cs typeface="Courier New" panose="02070309020205020404" pitchFamily="49" charset="0"/>
               </a:rPr>
@@ -6112,7 +6084,7 @@
               <a:t>x</a:t>
             </a:r>
             <a:r>
-              <a:rPr lang="fr-FR" dirty="0" smtClean="0">
+              <a:rPr lang="fr-FR" dirty="0">
                 <a:latin typeface="Courier New" panose="02070309020205020404" pitchFamily="49" charset="0"/>
                 <a:cs typeface="Courier New" panose="02070309020205020404" pitchFamily="49" charset="0"/>
               </a:rPr>
@@ -6121,14 +6093,14 @@
           </a:p>
           <a:p>
             <a:r>
-              <a:rPr lang="fr-FR" dirty="0" err="1" smtClean="0">
+              <a:rPr lang="fr-FR" dirty="0" err="1">
                 <a:latin typeface="Courier New" panose="02070309020205020404" pitchFamily="49" charset="0"/>
                 <a:cs typeface="Courier New" panose="02070309020205020404" pitchFamily="49" charset="0"/>
               </a:rPr>
               <a:t>def</a:t>
             </a:r>
             <a:r>
-              <a:rPr lang="fr-FR" dirty="0" smtClean="0">
+              <a:rPr lang="fr-FR" dirty="0">
                 <a:latin typeface="Courier New" panose="02070309020205020404" pitchFamily="49" charset="0"/>
                 <a:cs typeface="Courier New" panose="02070309020205020404" pitchFamily="49" charset="0"/>
               </a:rPr>
@@ -6144,14 +6116,14 @@
               <a:t>	</a:t>
             </a:r>
             <a:r>
-              <a:rPr lang="fr-FR" dirty="0" err="1" smtClean="0">
+              <a:rPr lang="fr-FR" dirty="0" err="1">
                 <a:latin typeface="Courier New" panose="02070309020205020404" pitchFamily="49" charset="0"/>
                 <a:cs typeface="Courier New" panose="02070309020205020404" pitchFamily="49" charset="0"/>
               </a:rPr>
               <a:t>print</a:t>
             </a:r>
             <a:r>
-              <a:rPr lang="fr-FR" dirty="0" smtClean="0">
+              <a:rPr lang="fr-FR" dirty="0">
                 <a:latin typeface="Courier New" panose="02070309020205020404" pitchFamily="49" charset="0"/>
                 <a:cs typeface="Courier New" panose="02070309020205020404" pitchFamily="49" charset="0"/>
               </a:rPr>
@@ -6164,7 +6136,7 @@
           </a:p>
           <a:p>
             <a:r>
-              <a:rPr lang="fr-FR" dirty="0" smtClean="0">
+              <a:rPr lang="fr-FR" dirty="0">
                 <a:latin typeface="Courier New" panose="02070309020205020404" pitchFamily="49" charset="0"/>
                 <a:cs typeface="Courier New" panose="02070309020205020404" pitchFamily="49" charset="0"/>
               </a:rPr>
@@ -6180,14 +6152,14 @@
               <a:t>s</a:t>
             </a:r>
             <a:r>
-              <a:rPr lang="fr-FR" dirty="0" err="1" smtClean="0">
+              <a:rPr lang="fr-FR" dirty="0" err="1">
                 <a:latin typeface="Courier New" panose="02070309020205020404" pitchFamily="49" charset="0"/>
                 <a:cs typeface="Courier New" panose="02070309020205020404" pitchFamily="49" charset="0"/>
               </a:rPr>
               <a:t>pam.f</a:t>
             </a:r>
             <a:r>
-              <a:rPr lang="fr-FR" dirty="0" smtClean="0">
+              <a:rPr lang="fr-FR" dirty="0">
                 <a:latin typeface="Courier New" panose="02070309020205020404" pitchFamily="49" charset="0"/>
                 <a:cs typeface="Courier New" panose="02070309020205020404" pitchFamily="49" charset="0"/>
               </a:rPr>
@@ -6203,21 +6175,21 @@
               <a:t>p</a:t>
             </a:r>
             <a:r>
-              <a:rPr lang="fr-FR" dirty="0" err="1" smtClean="0">
+              <a:rPr lang="fr-FR" dirty="0" err="1">
                 <a:latin typeface="Courier New" panose="02070309020205020404" pitchFamily="49" charset="0"/>
                 <a:cs typeface="Courier New" panose="02070309020205020404" pitchFamily="49" charset="0"/>
               </a:rPr>
               <a:t>rint</a:t>
             </a:r>
             <a:r>
-              <a:rPr lang="fr-FR" dirty="0" smtClean="0">
+              <a:rPr lang="fr-FR" dirty="0">
                 <a:latin typeface="Courier New" panose="02070309020205020404" pitchFamily="49" charset="0"/>
                 <a:cs typeface="Courier New" panose="02070309020205020404" pitchFamily="49" charset="0"/>
               </a:rPr>
               <a:t> </a:t>
             </a:r>
             <a:r>
-              <a:rPr lang="fr-FR" dirty="0" err="1" smtClean="0">
+              <a:rPr lang="fr-FR" dirty="0" err="1">
                 <a:latin typeface="Courier New" panose="02070309020205020404" pitchFamily="49" charset="0"/>
                 <a:cs typeface="Courier New" panose="02070309020205020404" pitchFamily="49" charset="0"/>
               </a:rPr>
@@ -6238,7 +6210,7 @@
         </p:nvSpPr>
         <p:spPr>
           <a:xfrm>
-            <a:off x="0" y="-14068"/>
+            <a:off x="1203960" y="-14068"/>
             <a:ext cx="1286292" cy="461665"/>
           </a:xfrm>
           <a:prstGeom prst="rect">
@@ -6259,7 +6231,7 @@
               <a:t>s</a:t>
             </a:r>
             <a:r>
-              <a:rPr lang="fr-FR" dirty="0" smtClean="0">
+              <a:rPr lang="fr-FR" dirty="0">
                 <a:latin typeface="Calibri" panose="020F0502020204030204" pitchFamily="34" charset="0"/>
               </a:rPr>
               <a:t>pam.py</a:t>
@@ -6278,7 +6250,7 @@
         </p:nvSpPr>
         <p:spPr>
           <a:xfrm>
-            <a:off x="5118486" y="-14069"/>
+            <a:off x="6551046" y="-14069"/>
             <a:ext cx="1286292" cy="461665"/>
           </a:xfrm>
           <a:prstGeom prst="rect">
@@ -6293,7 +6265,7 @@
           <a:lstStyle/>
           <a:p>
             <a:r>
-              <a:rPr lang="fr-FR" dirty="0" smtClean="0">
+              <a:rPr lang="fr-FR" dirty="0">
                 <a:latin typeface="Calibri" panose="020F0502020204030204" pitchFamily="34" charset="0"/>
               </a:rPr>
               <a:t>egg.py</a:t>
@@ -6312,7 +6284,7 @@
         </p:nvSpPr>
         <p:spPr>
           <a:xfrm>
-            <a:off x="2270714" y="3991195"/>
+            <a:off x="3156992" y="3991196"/>
             <a:ext cx="536730" cy="584775"/>
           </a:xfrm>
           <a:prstGeom prst="rect">
@@ -6327,7 +6299,7 @@
           <a:lstStyle/>
           <a:p>
             <a:r>
-              <a:rPr lang="fr-FR" sz="3200" dirty="0" smtClean="0">
+              <a:rPr lang="fr-FR" sz="3200" dirty="0">
                 <a:latin typeface="Calibri" panose="020F0502020204030204" pitchFamily="34" charset="0"/>
               </a:rPr>
               <a:t>f</a:t>
@@ -6343,7 +6315,7 @@
         </p:nvSpPr>
         <p:spPr>
           <a:xfrm>
-            <a:off x="2270714" y="5421127"/>
+            <a:off x="3156992" y="5421128"/>
             <a:ext cx="536730" cy="584775"/>
           </a:xfrm>
           <a:prstGeom prst="rect">
@@ -6363,7 +6335,7 @@
               </a:rPr>
               <a:t>x</a:t>
             </a:r>
-            <a:endParaRPr lang="fr-FR" sz="3200" dirty="0" smtClean="0">
+            <a:endParaRPr lang="fr-FR" sz="3200" dirty="0">
               <a:latin typeface="Calibri" panose="020F0502020204030204" pitchFamily="34" charset="0"/>
             </a:endParaRPr>
           </a:p>
@@ -6377,7 +6349,7 @@
         </p:nvSpPr>
         <p:spPr>
           <a:xfrm>
-            <a:off x="2270714" y="5981882"/>
+            <a:off x="3156992" y="5981883"/>
             <a:ext cx="536730" cy="584775"/>
           </a:xfrm>
           <a:prstGeom prst="rect">
@@ -6392,7 +6364,7 @@
           <a:lstStyle/>
           <a:p>
             <a:r>
-              <a:rPr lang="fr-FR" sz="3200" dirty="0" smtClean="0">
+              <a:rPr lang="fr-FR" sz="3200" dirty="0">
                 <a:latin typeface="Calibri" panose="020F0502020204030204" pitchFamily="34" charset="0"/>
               </a:rPr>
               <a:t>f</a:t>
@@ -6408,7 +6380,7 @@
         </p:nvSpPr>
         <p:spPr>
           <a:xfrm>
-            <a:off x="6226425" y="3318869"/>
+            <a:off x="7818607" y="3318870"/>
             <a:ext cx="1916010" cy="584775"/>
           </a:xfrm>
           <a:prstGeom prst="rect">
@@ -6429,7 +6401,7 @@
           <a:p>
             <a:pPr algn="ctr"/>
             <a:r>
-              <a:rPr lang="fr-FR" sz="3200" dirty="0" err="1" smtClean="0">
+              <a:rPr lang="fr-FR" sz="3200" dirty="0" err="1">
                 <a:latin typeface="Calibri" panose="020F0502020204030204" pitchFamily="34" charset="0"/>
               </a:rPr>
               <a:t>function</a:t>
@@ -6448,7 +6420,7 @@
         </p:nvSpPr>
         <p:spPr>
           <a:xfrm>
-            <a:off x="6168604" y="5886263"/>
+            <a:off x="7760786" y="5886264"/>
             <a:ext cx="1916010" cy="584775"/>
           </a:xfrm>
           <a:prstGeom prst="rect">
@@ -6469,7 +6441,7 @@
           <a:p>
             <a:pPr algn="ctr"/>
             <a:r>
-              <a:rPr lang="fr-FR" sz="3200" dirty="0" err="1" smtClean="0">
+              <a:rPr lang="fr-FR" sz="3200" dirty="0" err="1">
                 <a:latin typeface="Calibri" panose="020F0502020204030204" pitchFamily="34" charset="0"/>
               </a:rPr>
               <a:t>function</a:t>
@@ -6488,7 +6460,7 @@
         </p:nvSpPr>
         <p:spPr>
           <a:xfrm>
-            <a:off x="1943493" y="4965707"/>
+            <a:off x="2829772" y="4965708"/>
             <a:ext cx="1092597" cy="584775"/>
           </a:xfrm>
           <a:prstGeom prst="rect">
@@ -6503,7 +6475,7 @@
           <a:lstStyle/>
           <a:p>
             <a:r>
-              <a:rPr lang="fr-FR" sz="3200" dirty="0" smtClean="0">
+              <a:rPr lang="fr-FR" sz="3200" dirty="0">
                 <a:latin typeface="Calibri" panose="020F0502020204030204" pitchFamily="34" charset="0"/>
               </a:rPr>
               <a:t>spam</a:t>
@@ -6519,7 +6491,7 @@
         </p:nvSpPr>
         <p:spPr>
           <a:xfrm>
-            <a:off x="5601041" y="4393241"/>
+            <a:off x="7193223" y="4393241"/>
             <a:ext cx="1916010" cy="1077218"/>
           </a:xfrm>
           <a:prstGeom prst="rect">
@@ -6546,7 +6518,7 @@
               <a:t>m</a:t>
             </a:r>
             <a:r>
-              <a:rPr lang="fr-FR" sz="3200" dirty="0" smtClean="0">
+              <a:rPr lang="fr-FR" sz="3200" dirty="0">
                 <a:latin typeface="Calibri" panose="020F0502020204030204" pitchFamily="34" charset="0"/>
               </a:rPr>
               <a:t>odule spam</a:t>
@@ -6565,8 +6537,8 @@
         </p:nvSpPr>
         <p:spPr bwMode="auto">
           <a:xfrm>
-            <a:off x="2954215" y="4717921"/>
-            <a:ext cx="2672862" cy="613734"/>
+            <a:off x="3914335" y="4717921"/>
+            <a:ext cx="3236742" cy="568014"/>
           </a:xfrm>
           <a:custGeom>
             <a:avLst/>
@@ -6577,6 +6549,12 @@
               <a:gd name="connsiteY1" fmla="*/ 22891 h 613734"/>
               <a:gd name="connsiteX2" fmla="*/ 2672862 w 2672862"/>
               <a:gd name="connsiteY2" fmla="*/ 177636 h 613734"/>
+              <a:gd name="connsiteX0" fmla="*/ 0 w 3236742"/>
+              <a:gd name="connsiteY0" fmla="*/ 568014 h 568014"/>
+              <a:gd name="connsiteX1" fmla="*/ 2378613 w 3236742"/>
+              <a:gd name="connsiteY1" fmla="*/ 22891 h 568014"/>
+              <a:gd name="connsiteX2" fmla="*/ 3236742 w 3236742"/>
+              <a:gd name="connsiteY2" fmla="*/ 177636 h 568014"/>
             </a:gdLst>
             <a:ahLst/>
             <a:cxnLst>
@@ -6592,19 +6570,19 @@
             </a:cxnLst>
             <a:rect l="l" t="t" r="r" b="b"/>
             <a:pathLst>
-              <a:path w="2672862" h="613734">
+              <a:path w="3236742" h="568014">
                 <a:moveTo>
-                  <a:pt x="0" y="613734"/>
+                  <a:pt x="0" y="568014"/>
                 </a:moveTo>
                 <a:cubicBezTo>
-                  <a:pt x="684628" y="354654"/>
-                  <a:pt x="1369256" y="95574"/>
-                  <a:pt x="1814733" y="22891"/>
+                  <a:pt x="684628" y="308934"/>
+                  <a:pt x="1933136" y="95574"/>
+                  <a:pt x="2378613" y="22891"/>
                 </a:cubicBezTo>
                 <a:cubicBezTo>
-                  <a:pt x="2260210" y="-49792"/>
-                  <a:pt x="2466536" y="63922"/>
-                  <a:pt x="2672862" y="177636"/>
+                  <a:pt x="2824090" y="-49792"/>
+                  <a:pt x="3030416" y="63922"/>
+                  <a:pt x="3236742" y="177636"/>
                 </a:cubicBezTo>
               </a:path>
             </a:pathLst>
@@ -6638,8 +6616,8 @@
         </p:nvSpPr>
         <p:spPr bwMode="auto">
           <a:xfrm>
-            <a:off x="2532185" y="5302237"/>
-            <a:ext cx="2968283" cy="592126"/>
+            <a:off x="3568506" y="5302237"/>
+            <a:ext cx="3455963" cy="592126"/>
           </a:xfrm>
           <a:custGeom>
             <a:avLst/>
@@ -6649,6 +6627,12 @@
               <a:gd name="connsiteX1" fmla="*/ 1941341 w 2968283"/>
               <a:gd name="connsiteY1" fmla="*/ 1283 h 592126"/>
               <a:gd name="connsiteX2" fmla="*/ 2968283 w 2968283"/>
+              <a:gd name="connsiteY2" fmla="*/ 592126 h 592126"/>
+              <a:gd name="connsiteX0" fmla="*/ 0 w 3455963"/>
+              <a:gd name="connsiteY0" fmla="*/ 465517 h 592126"/>
+              <a:gd name="connsiteX1" fmla="*/ 2429021 w 3455963"/>
+              <a:gd name="connsiteY1" fmla="*/ 1283 h 592126"/>
+              <a:gd name="connsiteX2" fmla="*/ 3455963 w 3455963"/>
               <a:gd name="connsiteY2" fmla="*/ 592126 h 592126"/>
             </a:gdLst>
             <a:ahLst/>
@@ -6665,19 +6649,19 @@
             </a:cxnLst>
             <a:rect l="l" t="t" r="r" b="b"/>
             <a:pathLst>
-              <a:path w="2968283" h="592126">
+              <a:path w="3455963" h="592126">
                 <a:moveTo>
                   <a:pt x="0" y="465517"/>
                 </a:moveTo>
                 <a:cubicBezTo>
                   <a:pt x="723313" y="222849"/>
-                  <a:pt x="1446627" y="-19818"/>
-                  <a:pt x="1941341" y="1283"/>
+                  <a:pt x="1934307" y="-19818"/>
+                  <a:pt x="2429021" y="1283"/>
                 </a:cubicBezTo>
                 <a:cubicBezTo>
-                  <a:pt x="2436055" y="22384"/>
-                  <a:pt x="2702169" y="307255"/>
-                  <a:pt x="2968283" y="592126"/>
+                  <a:pt x="2923735" y="22384"/>
+                  <a:pt x="3189849" y="307255"/>
+                  <a:pt x="3455963" y="592126"/>
                 </a:cubicBezTo>
               </a:path>
             </a:pathLst>
@@ -6711,8 +6695,8 @@
         </p:nvSpPr>
         <p:spPr bwMode="auto">
           <a:xfrm>
-            <a:off x="2574388" y="6274191"/>
-            <a:ext cx="3981157" cy="400617"/>
+            <a:off x="3443069" y="6289432"/>
+            <a:ext cx="4636477" cy="385377"/>
           </a:xfrm>
           <a:custGeom>
             <a:avLst/>
@@ -6723,6 +6707,12 @@
               <a:gd name="connsiteY1" fmla="*/ 393895 h 400617"/>
               <a:gd name="connsiteX2" fmla="*/ 3981157 w 3981157"/>
               <a:gd name="connsiteY2" fmla="*/ 211015 h 400617"/>
+              <a:gd name="connsiteX0" fmla="*/ 0 w 4636477"/>
+              <a:gd name="connsiteY0" fmla="*/ 0 h 385377"/>
+              <a:gd name="connsiteX1" fmla="*/ 3862754 w 4636477"/>
+              <a:gd name="connsiteY1" fmla="*/ 378655 h 385377"/>
+              <a:gd name="connsiteX2" fmla="*/ 4636477 w 4636477"/>
+              <a:gd name="connsiteY2" fmla="*/ 195775 h 385377"/>
             </a:gdLst>
             <a:ahLst/>
             <a:cxnLst>
@@ -6738,19 +6728,19 @@
             </a:cxnLst>
             <a:rect l="l" t="t" r="r" b="b"/>
             <a:pathLst>
-              <a:path w="3981157" h="400617">
+              <a:path w="4636477" h="385377">
                 <a:moveTo>
                   <a:pt x="0" y="0"/>
                 </a:moveTo>
                 <a:cubicBezTo>
                   <a:pt x="1271954" y="179363"/>
-                  <a:pt x="2543908" y="358726"/>
-                  <a:pt x="3207434" y="393895"/>
+                  <a:pt x="3199228" y="343486"/>
+                  <a:pt x="3862754" y="378655"/>
                 </a:cubicBezTo>
                 <a:cubicBezTo>
-                  <a:pt x="3870960" y="429064"/>
-                  <a:pt x="3926058" y="320039"/>
-                  <a:pt x="3981157" y="211015"/>
+                  <a:pt x="4526280" y="413824"/>
+                  <a:pt x="4581378" y="304799"/>
+                  <a:pt x="4636477" y="195775"/>
                 </a:cubicBezTo>
               </a:path>
             </a:pathLst>
@@ -6784,8 +6774,8 @@
         </p:nvSpPr>
         <p:spPr bwMode="auto">
           <a:xfrm>
-            <a:off x="2574388" y="3221188"/>
-            <a:ext cx="2686929" cy="450480"/>
+            <a:off x="3564989" y="3221188"/>
+            <a:ext cx="3220329" cy="435240"/>
           </a:xfrm>
           <a:custGeom>
             <a:avLst/>
@@ -6796,6 +6786,12 @@
               <a:gd name="connsiteY1" fmla="*/ 314 h 450480"/>
               <a:gd name="connsiteX2" fmla="*/ 2686929 w 2686929"/>
               <a:gd name="connsiteY2" fmla="*/ 394209 h 450480"/>
+              <a:gd name="connsiteX0" fmla="*/ 0 w 3220329"/>
+              <a:gd name="connsiteY0" fmla="*/ 435240 h 435240"/>
+              <a:gd name="connsiteX1" fmla="*/ 2123049 w 3220329"/>
+              <a:gd name="connsiteY1" fmla="*/ 314 h 435240"/>
+              <a:gd name="connsiteX2" fmla="*/ 3220329 w 3220329"/>
+              <a:gd name="connsiteY2" fmla="*/ 394209 h 435240"/>
             </a:gdLst>
             <a:ahLst/>
             <a:cxnLst>
@@ -6811,19 +6807,19 @@
             </a:cxnLst>
             <a:rect l="l" t="t" r="r" b="b"/>
             <a:pathLst>
-              <a:path w="2686929" h="450480">
+              <a:path w="3220329" h="435240">
                 <a:moveTo>
-                  <a:pt x="0" y="450480"/>
+                  <a:pt x="0" y="435240"/>
                 </a:moveTo>
                 <a:cubicBezTo>
-                  <a:pt x="570914" y="230086"/>
-                  <a:pt x="1141828" y="9692"/>
-                  <a:pt x="1589649" y="314"/>
+                  <a:pt x="570914" y="214846"/>
+                  <a:pt x="1675228" y="9692"/>
+                  <a:pt x="2123049" y="314"/>
                 </a:cubicBezTo>
                 <a:cubicBezTo>
-                  <a:pt x="2037470" y="-9064"/>
-                  <a:pt x="2362199" y="192572"/>
-                  <a:pt x="2686929" y="394209"/>
+                  <a:pt x="2570870" y="-9064"/>
+                  <a:pt x="2895599" y="192572"/>
+                  <a:pt x="3220329" y="394209"/>
                 </a:cubicBezTo>
               </a:path>
             </a:pathLst>
@@ -6857,8 +6853,8 @@
         </p:nvSpPr>
         <p:spPr bwMode="auto">
           <a:xfrm>
-            <a:off x="2574388" y="3699803"/>
-            <a:ext cx="3657600" cy="617369"/>
+            <a:off x="3580228" y="3699804"/>
+            <a:ext cx="4175760" cy="606083"/>
           </a:xfrm>
           <a:custGeom>
             <a:avLst/>
@@ -6869,6 +6865,12 @@
               <a:gd name="connsiteY1" fmla="*/ 548640 h 617369"/>
               <a:gd name="connsiteX2" fmla="*/ 3657600 w 3657600"/>
               <a:gd name="connsiteY2" fmla="*/ 0 h 617369"/>
+              <a:gd name="connsiteX0" fmla="*/ 0 w 4175760"/>
+              <a:gd name="connsiteY0" fmla="*/ 606083 h 606083"/>
+              <a:gd name="connsiteX1" fmla="*/ 3219157 w 4175760"/>
+              <a:gd name="connsiteY1" fmla="*/ 548640 h 606083"/>
+              <a:gd name="connsiteX2" fmla="*/ 4175760 w 4175760"/>
+              <a:gd name="connsiteY2" fmla="*/ 0 h 606083"/>
             </a:gdLst>
             <a:ahLst/>
             <a:cxnLst>
@@ -6884,19 +6886,17 @@
             </a:cxnLst>
             <a:rect l="l" t="t" r="r" b="b"/>
             <a:pathLst>
-              <a:path w="3657600" h="617369">
+              <a:path w="4175760" h="606083">
                 <a:moveTo>
-                  <a:pt x="0" y="590843"/>
+                  <a:pt x="0" y="606083"/>
                 </a:moveTo>
+                <a:lnTo>
+                  <a:pt x="3219157" y="548640"/>
+                </a:lnTo>
                 <a:cubicBezTo>
-                  <a:pt x="1045698" y="618978"/>
-                  <a:pt x="2091397" y="647114"/>
-                  <a:pt x="2700997" y="548640"/>
-                </a:cubicBezTo>
-                <a:cubicBezTo>
-                  <a:pt x="3310597" y="450166"/>
-                  <a:pt x="3484098" y="225083"/>
-                  <a:pt x="3657600" y="0"/>
+                  <a:pt x="3828757" y="450166"/>
+                  <a:pt x="4002258" y="225083"/>
+                  <a:pt x="4175760" y="0"/>
                 </a:cubicBezTo>
               </a:path>
             </a:pathLst>
@@ -6930,7 +6930,7 @@
         </p:nvSpPr>
         <p:spPr bwMode="auto">
           <a:xfrm>
-            <a:off x="6007275" y="104792"/>
+            <a:off x="7531275" y="104792"/>
             <a:ext cx="438300" cy="268558"/>
           </a:xfrm>
           <a:prstGeom prst="rightArrow">
@@ -6967,7 +6967,7 @@
         </p:nvSpPr>
         <p:spPr bwMode="auto">
           <a:xfrm>
-            <a:off x="846288" y="104792"/>
+            <a:off x="2370288" y="104792"/>
             <a:ext cx="438300" cy="268558"/>
           </a:xfrm>
           <a:prstGeom prst="rightArrow">
@@ -7004,7 +7004,7 @@
         </p:nvSpPr>
         <p:spPr bwMode="auto">
           <a:xfrm>
-            <a:off x="810480" y="487082"/>
+            <a:off x="2334480" y="487082"/>
             <a:ext cx="438300" cy="268558"/>
           </a:xfrm>
           <a:prstGeom prst="rightArrow">
@@ -7041,7 +7041,7 @@
         </p:nvSpPr>
         <p:spPr bwMode="auto">
           <a:xfrm>
-            <a:off x="6007275" y="454240"/>
+            <a:off x="7531275" y="454240"/>
             <a:ext cx="438300" cy="268558"/>
           </a:xfrm>
           <a:prstGeom prst="rightArrow">
@@ -7078,7 +7078,7 @@
         </p:nvSpPr>
         <p:spPr bwMode="auto">
           <a:xfrm>
-            <a:off x="5986222" y="828987"/>
+            <a:off x="7510222" y="828987"/>
             <a:ext cx="438300" cy="268558"/>
           </a:xfrm>
           <a:prstGeom prst="rightArrow">
@@ -7115,7 +7115,7 @@
         </p:nvSpPr>
         <p:spPr bwMode="auto">
           <a:xfrm>
-            <a:off x="6007275" y="1534714"/>
+            <a:off x="7531275" y="1534714"/>
             <a:ext cx="438300" cy="268558"/>
           </a:xfrm>
           <a:prstGeom prst="rightArrow">
@@ -7152,7 +7152,7 @@
         </p:nvSpPr>
         <p:spPr bwMode="auto">
           <a:xfrm>
-            <a:off x="6007275" y="1902038"/>
+            <a:off x="7531275" y="1902038"/>
             <a:ext cx="438300" cy="268558"/>
           </a:xfrm>
           <a:prstGeom prst="rightArrow">
@@ -7189,7 +7189,7 @@
         </p:nvSpPr>
         <p:spPr bwMode="auto">
           <a:xfrm>
-            <a:off x="5986222" y="2243081"/>
+            <a:off x="7510222" y="2243081"/>
             <a:ext cx="438300" cy="268558"/>
           </a:xfrm>
           <a:prstGeom prst="rightArrow">
@@ -7226,7 +7226,7 @@
         </p:nvSpPr>
         <p:spPr bwMode="auto">
           <a:xfrm>
-            <a:off x="5986222" y="102898"/>
+            <a:off x="7510222" y="102898"/>
             <a:ext cx="438300" cy="268558"/>
           </a:xfrm>
           <a:prstGeom prst="rightArrow">
